--- a/SparseVoxelOctree/CheckPoint3.pptx
+++ b/SparseVoxelOctree/CheckPoint3.pptx
@@ -110,6 +110,11 @@
       </a:defRPr>
     </a:lvl9pPr>
   </p:defaultTextStyle>
+  <p:extLst>
+    <p:ext uri="{EFAFB233-063F-42B5-8137-9DF3F51BA10A}">
+      <p15:sldGuideLst xmlns:p15="http://schemas.microsoft.com/office/powerpoint/2012/main"/>
+    </p:ext>
+  </p:extLst>
 </p:presentation>
 </file>
 
@@ -1956,7 +1961,7 @@
           <a:p>
             <a:fld id="{E67BAD36-1DDB-44A6-9AC6-785C0F78C71C}" type="datetimeFigureOut">
               <a:rPr lang="en-US" smtClean="0"/>
-              <a:t>11/8/2020</a:t>
+              <a:t>11/9/2020</a:t>
             </a:fld>
             <a:endParaRPr lang="en-US"/>
           </a:p>
@@ -2156,7 +2161,7 @@
           <a:p>
             <a:fld id="{E67BAD36-1DDB-44A6-9AC6-785C0F78C71C}" type="datetimeFigureOut">
               <a:rPr lang="en-US" smtClean="0"/>
-              <a:t>11/8/2020</a:t>
+              <a:t>11/9/2020</a:t>
             </a:fld>
             <a:endParaRPr lang="en-US"/>
           </a:p>
@@ -2366,7 +2371,7 @@
           <a:p>
             <a:fld id="{E67BAD36-1DDB-44A6-9AC6-785C0F78C71C}" type="datetimeFigureOut">
               <a:rPr lang="en-US" smtClean="0"/>
-              <a:t>11/8/2020</a:t>
+              <a:t>11/9/2020</a:t>
             </a:fld>
             <a:endParaRPr lang="en-US"/>
           </a:p>
@@ -2566,7 +2571,7 @@
           <a:p>
             <a:fld id="{E67BAD36-1DDB-44A6-9AC6-785C0F78C71C}" type="datetimeFigureOut">
               <a:rPr lang="en-US" smtClean="0"/>
-              <a:t>11/8/2020</a:t>
+              <a:t>11/9/2020</a:t>
             </a:fld>
             <a:endParaRPr lang="en-US"/>
           </a:p>
@@ -2842,7 +2847,7 @@
           <a:p>
             <a:fld id="{E67BAD36-1DDB-44A6-9AC6-785C0F78C71C}" type="datetimeFigureOut">
               <a:rPr lang="en-US" smtClean="0"/>
-              <a:t>11/8/2020</a:t>
+              <a:t>11/9/2020</a:t>
             </a:fld>
             <a:endParaRPr lang="en-US"/>
           </a:p>
@@ -3110,7 +3115,7 @@
           <a:p>
             <a:fld id="{E67BAD36-1DDB-44A6-9AC6-785C0F78C71C}" type="datetimeFigureOut">
               <a:rPr lang="en-US" smtClean="0"/>
-              <a:t>11/8/2020</a:t>
+              <a:t>11/9/2020</a:t>
             </a:fld>
             <a:endParaRPr lang="en-US"/>
           </a:p>
@@ -3525,7 +3530,7 @@
           <a:p>
             <a:fld id="{E67BAD36-1DDB-44A6-9AC6-785C0F78C71C}" type="datetimeFigureOut">
               <a:rPr lang="en-US" smtClean="0"/>
-              <a:t>11/8/2020</a:t>
+              <a:t>11/9/2020</a:t>
             </a:fld>
             <a:endParaRPr lang="en-US"/>
           </a:p>
@@ -3667,7 +3672,7 @@
           <a:p>
             <a:fld id="{E67BAD36-1DDB-44A6-9AC6-785C0F78C71C}" type="datetimeFigureOut">
               <a:rPr lang="en-US" smtClean="0"/>
-              <a:t>11/8/2020</a:t>
+              <a:t>11/9/2020</a:t>
             </a:fld>
             <a:endParaRPr lang="en-US"/>
           </a:p>
@@ -3780,7 +3785,7 @@
           <a:p>
             <a:fld id="{E67BAD36-1DDB-44A6-9AC6-785C0F78C71C}" type="datetimeFigureOut">
               <a:rPr lang="en-US" smtClean="0"/>
-              <a:t>11/8/2020</a:t>
+              <a:t>11/9/2020</a:t>
             </a:fld>
             <a:endParaRPr lang="en-US"/>
           </a:p>
@@ -4093,7 +4098,7 @@
           <a:p>
             <a:fld id="{E67BAD36-1DDB-44A6-9AC6-785C0F78C71C}" type="datetimeFigureOut">
               <a:rPr lang="en-US" smtClean="0"/>
-              <a:t>11/8/2020</a:t>
+              <a:t>11/9/2020</a:t>
             </a:fld>
             <a:endParaRPr lang="en-US"/>
           </a:p>
@@ -4382,7 +4387,7 @@
           <a:p>
             <a:fld id="{E67BAD36-1DDB-44A6-9AC6-785C0F78C71C}" type="datetimeFigureOut">
               <a:rPr lang="en-US" smtClean="0"/>
-              <a:t>11/8/2020</a:t>
+              <a:t>11/9/2020</a:t>
             </a:fld>
             <a:endParaRPr lang="en-US"/>
           </a:p>
@@ -4625,7 +4630,7 @@
           <a:p>
             <a:fld id="{E67BAD36-1DDB-44A6-9AC6-785C0F78C71C}" type="datetimeFigureOut">
               <a:rPr lang="en-US" smtClean="0"/>
-              <a:t>11/8/2020</a:t>
+              <a:t>11/9/2020</a:t>
             </a:fld>
             <a:endParaRPr lang="en-US"/>
           </a:p>
@@ -5334,7 +5339,7 @@
           <a:bodyPr/>
           <a:lstStyle/>
           <a:p>
-            <a:endParaRPr lang="en-US"/>
+            <a:endParaRPr lang="en-US" dirty="0"/>
           </a:p>
         </p:txBody>
       </p:sp>
@@ -6499,7 +6504,7 @@
             <p:ph idx="1"/>
             <p:extLst>
               <p:ext uri="{D42A27DB-BD31-4B8C-83A1-F6EECF244321}">
-                <p14:modId xmlns:p14="http://schemas.microsoft.com/office/powerpoint/2010/main" val="256473574"/>
+                <p14:modId xmlns:p14="http://schemas.microsoft.com/office/powerpoint/2010/main" val="2829921168"/>
               </p:ext>
             </p:extLst>
           </p:nvPr>
@@ -6615,12 +6620,12 @@
                     <a:p>
                       <a:pPr algn="l" fontAlgn="b"/>
                       <a:r>
-                        <a:rPr lang="en-US" sz="2500" u="none" strike="noStrike">
+                        <a:rPr lang="en-US" sz="2500" u="none" strike="noStrike" dirty="0">
                           <a:effectLst/>
                         </a:rPr>
                         <a:t>Texture Memory</a:t>
                       </a:r>
-                      <a:endParaRPr lang="en-US" sz="2500" b="0" i="0" u="none" strike="noStrike">
+                      <a:endParaRPr lang="en-US" sz="2500" b="0" i="0" u="none" strike="noStrike" dirty="0">
                         <a:solidFill>
                           <a:srgbClr val="000000"/>
                         </a:solidFill>
@@ -6760,8 +6765,8 @@
           </a:graphicData>
         </a:graphic>
       </p:graphicFrame>
-      <mc:AlternateContent xmlns:mc="http://schemas.openxmlformats.org/markup-compatibility/2006">
-        <mc:Choice xmlns:a14="http://schemas.microsoft.com/office/drawing/2010/main" Requires="a14">
+      <mc:AlternateContent xmlns:mc="http://schemas.openxmlformats.org/markup-compatibility/2006" xmlns:a14="http://schemas.microsoft.com/office/drawing/2010/main">
+        <mc:Choice Requires="a14">
           <p:sp>
             <p:nvSpPr>
               <p:cNvPr id="6" name="文本框 5">
@@ -6837,7 +6842,7 @@
             </p:txBody>
           </p:sp>
         </mc:Choice>
-        <mc:Fallback>
+        <mc:Fallback xmlns="">
           <p:sp>
             <p:nvSpPr>
               <p:cNvPr id="6" name="文本框 5">
@@ -7119,8 +7124,8 @@
           </a:p>
         </p:txBody>
       </p:sp>
-      <mc:AlternateContent xmlns:mc="http://schemas.openxmlformats.org/markup-compatibility/2006">
-        <mc:Choice xmlns:a14="http://schemas.microsoft.com/office/drawing/2010/main" Requires="a14">
+      <mc:AlternateContent xmlns:mc="http://schemas.openxmlformats.org/markup-compatibility/2006" xmlns:a14="http://schemas.microsoft.com/office/drawing/2010/main">
+        <mc:Choice Requires="a14">
           <p:sp>
             <p:nvSpPr>
               <p:cNvPr id="3" name="内容占位符 2">
@@ -7265,7 +7270,7 @@
             </p:txBody>
           </p:sp>
         </mc:Choice>
-        <mc:Fallback>
+        <mc:Fallback xmlns="">
           <p:sp>
             <p:nvSpPr>
               <p:cNvPr id="3" name="内容占位符 2">
@@ -8137,7 +8142,7 @@
                     <a:p>
                       <a:pPr algn="l" fontAlgn="b"/>
                       <a:r>
-                        <a:rPr lang="en-US" sz="2300" b="0" i="0" u="none" strike="noStrike" cap="none" spc="0">
+                        <a:rPr lang="en-US" sz="2300" b="0" i="0" u="none" strike="noStrike" cap="none" spc="0" dirty="0">
                           <a:solidFill>
                             <a:schemeClr val="tx1"/>
                           </a:solidFill>
@@ -8273,7 +8278,7 @@
                     <a:p>
                       <a:pPr algn="l" fontAlgn="b"/>
                       <a:r>
-                        <a:rPr lang="en-US" sz="2300" b="0" i="0" u="none" strike="noStrike" cap="none" spc="0">
+                        <a:rPr lang="en-US" sz="2300" b="0" i="0" u="none" strike="noStrike" cap="none" spc="0" dirty="0">
                           <a:solidFill>
                             <a:schemeClr val="tx1"/>
                           </a:solidFill>
@@ -8317,7 +8322,7 @@
                     <a:p>
                       <a:pPr algn="r" fontAlgn="b"/>
                       <a:r>
-                        <a:rPr lang="en-US" sz="2300" u="none" strike="noStrike" cap="none" spc="0">
+                        <a:rPr lang="en-US" sz="2300" u="none" strike="noStrike" cap="none" spc="0" dirty="0">
                           <a:solidFill>
                             <a:schemeClr val="tx1"/>
                           </a:solidFill>
@@ -8325,7 +8330,7 @@
                         </a:rPr>
                         <a:t>23.4</a:t>
                       </a:r>
-                      <a:endParaRPr lang="en-US" sz="2300" b="0" i="0" u="none" strike="noStrike" cap="none" spc="0">
+                      <a:endParaRPr lang="en-US" sz="2300" b="0" i="0" u="none" strike="noStrike" cap="none" spc="0" dirty="0">
                         <a:solidFill>
                           <a:schemeClr val="tx1"/>
                         </a:solidFill>
@@ -8367,7 +8372,7 @@
                     <a:p>
                       <a:pPr algn="r" fontAlgn="b"/>
                       <a:r>
-                        <a:rPr lang="en-US" sz="2300" u="none" strike="noStrike" cap="none" spc="0">
+                        <a:rPr lang="en-US" sz="2300" u="none" strike="noStrike" cap="none" spc="0" dirty="0">
                           <a:solidFill>
                             <a:schemeClr val="tx1"/>
                           </a:solidFill>
@@ -8375,7 +8380,7 @@
                         </a:rPr>
                         <a:t>4364271</a:t>
                       </a:r>
-                      <a:endParaRPr lang="en-US" sz="2300" b="0" i="0" u="none" strike="noStrike" cap="none" spc="0">
+                      <a:endParaRPr lang="en-US" sz="2300" b="0" i="0" u="none" strike="noStrike" cap="none" spc="0" dirty="0">
                         <a:solidFill>
                           <a:schemeClr val="tx1"/>
                         </a:solidFill>
@@ -8686,12 +8691,28 @@
           <a:lstStyle/>
           <a:p>
             <a:r>
-              <a:rPr lang="en-US" sz="1900">
+              <a:rPr lang="en-US" sz="1900" dirty="0">
                 <a:solidFill>
                   <a:srgbClr val="000000"/>
                 </a:solidFill>
               </a:rPr>
-              <a:t>The easiest way to increase performance is to reduce the size per node. It’s possible to compress color and normal in a single uint, but will lose many details. </a:t>
+              <a:t>The easiest way to increase performance is to reduce the size per node. It’s possible to compress color and normal in a single </a:t>
+            </a:r>
+            <a:r>
+              <a:rPr lang="en-US" sz="1900" dirty="0" err="1">
+                <a:solidFill>
+                  <a:srgbClr val="000000"/>
+                </a:solidFill>
+              </a:rPr>
+              <a:t>uint</a:t>
+            </a:r>
+            <a:r>
+              <a:rPr lang="en-US" sz="1900" dirty="0">
+                <a:solidFill>
+                  <a:srgbClr val="000000"/>
+                </a:solidFill>
+              </a:rPr>
+              <a:t>, but will lose many details. </a:t>
             </a:r>
           </a:p>
         </p:txBody>
@@ -8711,7 +8732,7 @@
           <p:nvPr>
             <p:extLst>
               <p:ext uri="{D42A27DB-BD31-4B8C-83A1-F6EECF244321}">
-                <p14:modId xmlns:p14="http://schemas.microsoft.com/office/powerpoint/2010/main" val="147688090"/>
+                <p14:modId xmlns:p14="http://schemas.microsoft.com/office/powerpoint/2010/main" val="1717875341"/>
               </p:ext>
             </p:extLst>
           </p:nvPr>
@@ -8891,7 +8912,7 @@
                         </a:spcAft>
                       </a:pPr>
                       <a:r>
-                        <a:rPr lang="en-US" sz="3000" b="0" i="0" u="none" strike="noStrike">
+                        <a:rPr lang="en-US" sz="3000" b="0" i="0" u="none" strike="noStrike" dirty="0">
                           <a:solidFill>
                             <a:srgbClr val="000000"/>
                           </a:solidFill>
@@ -8900,7 +8921,7 @@
                         </a:rPr>
                         <a:t>16 Bytes</a:t>
                       </a:r>
-                      <a:endParaRPr lang="en-US" sz="5000" b="0" i="0" u="none" strike="noStrike">
+                      <a:endParaRPr lang="en-US" sz="5000" b="0" i="0" u="none" strike="noStrike" dirty="0">
                         <a:effectLst/>
                         <a:latin typeface="Arial" panose="020B0604020202020204" pitchFamily="34" charset="0"/>
                       </a:endParaRPr>
@@ -8935,7 +8956,7 @@
                         </a:spcAft>
                       </a:pPr>
                       <a:r>
-                        <a:rPr lang="en-US" sz="3000" b="0" i="0" u="none" strike="noStrike">
+                        <a:rPr lang="en-US" sz="3000" b="0" i="0" u="none" strike="noStrike" dirty="0">
                           <a:solidFill>
                             <a:srgbClr val="000000"/>
                           </a:solidFill>
@@ -8944,7 +8965,7 @@
                         </a:rPr>
                         <a:t>23.4</a:t>
                       </a:r>
-                      <a:endParaRPr lang="en-US" sz="5000" b="0" i="0" u="none" strike="noStrike">
+                      <a:endParaRPr lang="en-US" sz="5000" b="0" i="0" u="none" strike="noStrike" dirty="0">
                         <a:effectLst/>
                         <a:latin typeface="Arial" panose="020B0604020202020204" pitchFamily="34" charset="0"/>
                       </a:endParaRPr>
@@ -9118,7 +9139,7 @@
                         </a:spcAft>
                       </a:pPr>
                       <a:r>
-                        <a:rPr lang="en-US" sz="3000" b="0" i="0" u="none" strike="noStrike">
+                        <a:rPr lang="en-US" sz="3000" b="0" i="0" u="none" strike="noStrike" dirty="0">
                           <a:solidFill>
                             <a:srgbClr val="000000"/>
                           </a:solidFill>
@@ -9127,7 +9148,7 @@
                         </a:rPr>
                         <a:t>4364271</a:t>
                       </a:r>
-                      <a:endParaRPr lang="en-US" sz="5000" b="0" i="0" u="none" strike="noStrike">
+                      <a:endParaRPr lang="en-US" sz="5000" b="0" i="0" u="none" strike="noStrike" dirty="0">
                         <a:effectLst/>
                         <a:latin typeface="Arial" panose="020B0604020202020204" pitchFamily="34" charset="0"/>
                       </a:endParaRPr>
